--- a/specifications/MyScriptJS.pptx
+++ b/specifications/MyScriptJS.pptx
@@ -2364,7 +2364,7 @@
         <p:spPr>
           <a:xfrm>
             <a:off x="0" y="1750680"/>
-            <a:ext cx="9142560" cy="5216400"/>
+            <a:ext cx="9142200" cy="5216040"/>
           </a:xfrm>
           <a:prstGeom prst="rect">
             <a:avLst/>
@@ -2383,7 +2383,7 @@
         <p:spPr>
           <a:xfrm>
             <a:off x="2957040" y="297000"/>
-            <a:ext cx="3323520" cy="1233720"/>
+            <a:ext cx="3323160" cy="1233360"/>
           </a:xfrm>
           <a:prstGeom prst="rect">
             <a:avLst/>
@@ -2423,7 +2423,7 @@
         <p:spPr>
           <a:xfrm>
             <a:off x="613440" y="511200"/>
-            <a:ext cx="3157560" cy="936000"/>
+            <a:ext cx="3157200" cy="935640"/>
           </a:xfrm>
           <a:prstGeom prst="rect">
             <a:avLst/>
@@ -2446,7 +2446,7 @@
         <p:spPr>
           <a:xfrm>
             <a:off x="5988240" y="606240"/>
-            <a:ext cx="524160" cy="521640"/>
+            <a:ext cx="523800" cy="521280"/>
           </a:xfrm>
           <a:prstGeom prst="rect">
             <a:avLst/>
@@ -2469,7 +2469,7 @@
         <p:spPr>
           <a:xfrm>
             <a:off x="6663600" y="606960"/>
-            <a:ext cx="524160" cy="521640"/>
+            <a:ext cx="523800" cy="521280"/>
           </a:xfrm>
           <a:prstGeom prst="rect">
             <a:avLst/>
@@ -2492,7 +2492,7 @@
         <p:spPr>
           <a:xfrm>
             <a:off x="7332120" y="606960"/>
-            <a:ext cx="524160" cy="521640"/>
+            <a:ext cx="523800" cy="521280"/>
           </a:xfrm>
           <a:prstGeom prst="rect">
             <a:avLst/>
@@ -2515,7 +2515,7 @@
         <p:spPr>
           <a:xfrm>
             <a:off x="7998480" y="606240"/>
-            <a:ext cx="524160" cy="521640"/>
+            <a:ext cx="523800" cy="521280"/>
           </a:xfrm>
           <a:prstGeom prst="rect">
             <a:avLst/>
@@ -2731,8 +2731,8 @@
         </p:nvSpPr>
         <p:spPr>
           <a:xfrm flipH="1">
-            <a:off x="215280" y="96120"/>
-            <a:ext cx="8733600" cy="904680"/>
+            <a:off x="214560" y="96120"/>
+            <a:ext cx="8733240" cy="904320"/>
           </a:xfrm>
           <a:prstGeom prst="round2DiagRect">
             <a:avLst>
@@ -2793,7 +2793,7 @@
         <p:spPr>
           <a:xfrm>
             <a:off x="3421080" y="6442920"/>
-            <a:ext cx="2300400" cy="471600"/>
+            <a:ext cx="2300040" cy="471240"/>
           </a:xfrm>
           <a:prstGeom prst="rect">
             <a:avLst/>
@@ -2817,7 +2817,7 @@
                 <a:spcPct val="100000"/>
               </a:lnSpc>
             </a:pPr>
-            <a:fld id="{C7FCA6C7-570A-49A7-91FC-8DFB04488D08}" type="slidenum">
+            <a:fld id="{9A9F1B54-3D25-4F2C-AF4F-CA8103958603}" type="slidenum">
               <a:rPr lang="en-GB" sz="1000" strike="noStrike">
                 <a:solidFill>
                   <a:srgbClr val="bfbfbf"/>
@@ -2840,7 +2840,7 @@
         <p:spPr>
           <a:xfrm>
             <a:off x="498240" y="6458760"/>
-            <a:ext cx="1848960" cy="241560"/>
+            <a:ext cx="1848600" cy="241200"/>
           </a:xfrm>
           <a:prstGeom prst="rect">
             <a:avLst/>
@@ -2891,7 +2891,7 @@
         <p:spPr>
           <a:xfrm>
             <a:off x="7225200" y="6360840"/>
-            <a:ext cx="1618200" cy="479160"/>
+            <a:ext cx="1617840" cy="478800"/>
           </a:xfrm>
           <a:prstGeom prst="rect">
             <a:avLst/>
@@ -3101,7 +3101,7 @@
         <p:spPr>
           <a:xfrm>
             <a:off x="685800" y="2779920"/>
-            <a:ext cx="7770960" cy="1778760"/>
+            <a:ext cx="7770600" cy="1778400"/>
           </a:xfrm>
           <a:prstGeom prst="rect">
             <a:avLst/>
@@ -3148,7 +3148,7 @@
         <p:spPr>
           <a:xfrm>
             <a:off x="1371600" y="4735800"/>
-            <a:ext cx="6399360" cy="1298880"/>
+            <a:ext cx="6399000" cy="1298520"/>
           </a:xfrm>
           <a:prstGeom prst="rect">
             <a:avLst/>
@@ -3195,7 +3195,7 @@
         <p:spPr>
           <a:xfrm>
             <a:off x="3459240" y="6290640"/>
-            <a:ext cx="2424240" cy="363600"/>
+            <a:ext cx="2423880" cy="363240"/>
           </a:xfrm>
           <a:prstGeom prst="rect">
             <a:avLst/>
@@ -3291,7 +3291,7 @@
         <p:spPr>
           <a:xfrm>
             <a:off x="476280" y="1090080"/>
-            <a:ext cx="8254800" cy="5010120"/>
+            <a:ext cx="8254440" cy="5009760"/>
           </a:xfrm>
           <a:prstGeom prst="rect">
             <a:avLst/>
@@ -3416,7 +3416,7 @@
         <p:spPr>
           <a:xfrm>
             <a:off x="457200" y="210960"/>
-            <a:ext cx="8228160" cy="669600"/>
+            <a:ext cx="8227800" cy="669240"/>
           </a:xfrm>
           <a:prstGeom prst="rect">
             <a:avLst/>
@@ -3512,7 +3512,7 @@
         <p:spPr>
           <a:xfrm>
             <a:off x="504000" y="1224000"/>
-            <a:ext cx="8254800" cy="5010120"/>
+            <a:ext cx="8254440" cy="5009760"/>
           </a:xfrm>
           <a:prstGeom prst="rect">
             <a:avLst/>
@@ -3647,7 +3647,7 @@
         <p:spPr>
           <a:xfrm>
             <a:off x="457200" y="210960"/>
-            <a:ext cx="8228160" cy="669600"/>
+            <a:ext cx="8227800" cy="669240"/>
           </a:xfrm>
           <a:prstGeom prst="rect">
             <a:avLst/>
@@ -3743,7 +3743,7 @@
         <p:spPr>
           <a:xfrm>
             <a:off x="504000" y="1224000"/>
-            <a:ext cx="8254800" cy="5010120"/>
+            <a:ext cx="8254440" cy="5009760"/>
           </a:xfrm>
           <a:prstGeom prst="rect">
             <a:avLst/>
@@ -3796,7 +3796,7 @@
         <p:spPr>
           <a:xfrm>
             <a:off x="457200" y="210960"/>
-            <a:ext cx="8228160" cy="669600"/>
+            <a:ext cx="8227800" cy="669240"/>
           </a:xfrm>
           <a:prstGeom prst="rect">
             <a:avLst/>
@@ -3847,7 +3847,7 @@
         <p:spPr>
           <a:xfrm>
             <a:off x="2232000" y="1008000"/>
-            <a:ext cx="4175640" cy="5183640"/>
+            <a:ext cx="3888000" cy="5112000"/>
           </a:xfrm>
           <a:prstGeom prst="rect">
             <a:avLst/>
@@ -3915,7 +3915,7 @@
         <p:spPr>
           <a:xfrm>
             <a:off x="476280" y="1090080"/>
-            <a:ext cx="8254800" cy="5010120"/>
+            <a:ext cx="8254440" cy="5009760"/>
           </a:xfrm>
           <a:prstGeom prst="rect">
             <a:avLst/>
@@ -4008,7 +4008,7 @@
               </a:lnSpc>
               <a:buSzPct val="45000"/>
               <a:buFont typeface="StarSymbol"/>
-              <a:buChar char=""/>
+              <a:buChar char="l"/>
             </a:pPr>
             <a:r>
               <a:rPr i="1" lang="en-GB" sz="2200" strike="noStrike">
@@ -4018,17 +4018,7 @@
                 <a:latin typeface="Source Sans Pro Semibold"/>
                 <a:ea typeface="DejaVu Sans"/>
               </a:rPr>
-              <a:t>Core library</a:t>
-            </a:r>
-            <a:r>
-              <a:rPr i="1" lang="en-GB" sz="2200" strike="noStrike">
-                <a:solidFill>
-                  <a:srgbClr val="000000"/>
-                </a:solidFill>
-                <a:latin typeface="Source Sans Pro Semibold"/>
-                <a:ea typeface="DejaVu Sans"/>
-              </a:rPr>
-              <a:t> (communication, ...).</a:t>
+              <a:t>Core library (communication, ...).</a:t>
             </a:r>
             <a:endParaRPr/>
           </a:p>
@@ -4059,7 +4049,7 @@
               </a:lnSpc>
               <a:buSzPct val="45000"/>
               <a:buFont typeface="StarSymbol"/>
-              <a:buChar char=""/>
+              <a:buChar char="l"/>
             </a:pPr>
             <a:r>
               <a:rPr i="1" lang="en-GB" sz="2200" strike="noStrike">
@@ -4080,7 +4070,7 @@
               </a:lnSpc>
               <a:buSzPct val="45000"/>
               <a:buFont typeface="StarSymbol"/>
-              <a:buChar char=""/>
+              <a:buChar char="l"/>
             </a:pPr>
             <a:r>
               <a:rPr i="1" lang="en-GB" sz="2200" strike="noStrike">
@@ -4113,7 +4103,7 @@
         <p:spPr>
           <a:xfrm>
             <a:off x="457200" y="210960"/>
-            <a:ext cx="8228160" cy="669600"/>
+            <a:ext cx="8227800" cy="669240"/>
           </a:xfrm>
           <a:prstGeom prst="rect">
             <a:avLst/>
@@ -4209,7 +4199,7 @@
         <p:spPr>
           <a:xfrm>
             <a:off x="476280" y="1090080"/>
-            <a:ext cx="8254800" cy="5010120"/>
+            <a:ext cx="8254440" cy="5009760"/>
           </a:xfrm>
           <a:prstGeom prst="rect">
             <a:avLst/>
@@ -4314,7 +4304,7 @@
         <p:spPr>
           <a:xfrm>
             <a:off x="457200" y="210960"/>
-            <a:ext cx="8228160" cy="669600"/>
+            <a:ext cx="8227800" cy="669240"/>
           </a:xfrm>
           <a:prstGeom prst="rect">
             <a:avLst/>
@@ -4410,7 +4400,7 @@
         <p:spPr>
           <a:xfrm>
             <a:off x="476280" y="1090080"/>
-            <a:ext cx="8254800" cy="5010120"/>
+            <a:ext cx="8254440" cy="5009760"/>
           </a:xfrm>
           <a:prstGeom prst="rect">
             <a:avLst/>
@@ -4515,7 +4505,7 @@
         <p:spPr>
           <a:xfrm>
             <a:off x="457200" y="210960"/>
-            <a:ext cx="8228160" cy="669600"/>
+            <a:ext cx="8227800" cy="669240"/>
           </a:xfrm>
           <a:prstGeom prst="rect">
             <a:avLst/>
